--- a/clustering/doc/dbscan_worksheet.pptx
+++ b/clustering/doc/dbscan_worksheet.pptx
@@ -8,6 +8,7 @@
     <p:sldId id="256" r:id="rId2"/>
     <p:sldId id="257" r:id="rId3"/>
     <p:sldId id="258" r:id="rId4"/>
+    <p:sldId id="259" r:id="rId5"/>
   </p:sldIdLst>
   <p:sldSz cx="12192000" cy="6858000"/>
   <p:notesSz cx="6858000" cy="9144000"/>
@@ -243,7 +244,7 @@
           <a:p>
             <a:fld id="{A2280C3D-5AAB-417F-934D-42C38D918270}" type="datetimeFigureOut">
               <a:rPr lang="en-US" smtClean="0"/>
-              <a:t>1/7/2025</a:t>
+              <a:t>1/8/2025</a:t>
             </a:fld>
             <a:endParaRPr lang="en-US"/>
           </a:p>
@@ -411,7 +412,7 @@
           <a:p>
             <a:fld id="{A2280C3D-5AAB-417F-934D-42C38D918270}" type="datetimeFigureOut">
               <a:rPr lang="en-US" smtClean="0"/>
-              <a:t>1/7/2025</a:t>
+              <a:t>1/8/2025</a:t>
             </a:fld>
             <a:endParaRPr lang="en-US"/>
           </a:p>
@@ -589,7 +590,7 @@
           <a:p>
             <a:fld id="{A2280C3D-5AAB-417F-934D-42C38D918270}" type="datetimeFigureOut">
               <a:rPr lang="en-US" smtClean="0"/>
-              <a:t>1/7/2025</a:t>
+              <a:t>1/8/2025</a:t>
             </a:fld>
             <a:endParaRPr lang="en-US"/>
           </a:p>
@@ -757,7 +758,7 @@
           <a:p>
             <a:fld id="{A2280C3D-5AAB-417F-934D-42C38D918270}" type="datetimeFigureOut">
               <a:rPr lang="en-US" smtClean="0"/>
-              <a:t>1/7/2025</a:t>
+              <a:t>1/8/2025</a:t>
             </a:fld>
             <a:endParaRPr lang="en-US"/>
           </a:p>
@@ -1002,7 +1003,7 @@
           <a:p>
             <a:fld id="{A2280C3D-5AAB-417F-934D-42C38D918270}" type="datetimeFigureOut">
               <a:rPr lang="en-US" smtClean="0"/>
-              <a:t>1/7/2025</a:t>
+              <a:t>1/8/2025</a:t>
             </a:fld>
             <a:endParaRPr lang="en-US"/>
           </a:p>
@@ -1231,7 +1232,7 @@
           <a:p>
             <a:fld id="{A2280C3D-5AAB-417F-934D-42C38D918270}" type="datetimeFigureOut">
               <a:rPr lang="en-US" smtClean="0"/>
-              <a:t>1/7/2025</a:t>
+              <a:t>1/8/2025</a:t>
             </a:fld>
             <a:endParaRPr lang="en-US"/>
           </a:p>
@@ -1595,7 +1596,7 @@
           <a:p>
             <a:fld id="{A2280C3D-5AAB-417F-934D-42C38D918270}" type="datetimeFigureOut">
               <a:rPr lang="en-US" smtClean="0"/>
-              <a:t>1/7/2025</a:t>
+              <a:t>1/8/2025</a:t>
             </a:fld>
             <a:endParaRPr lang="en-US"/>
           </a:p>
@@ -1712,7 +1713,7 @@
           <a:p>
             <a:fld id="{A2280C3D-5AAB-417F-934D-42C38D918270}" type="datetimeFigureOut">
               <a:rPr lang="en-US" smtClean="0"/>
-              <a:t>1/7/2025</a:t>
+              <a:t>1/8/2025</a:t>
             </a:fld>
             <a:endParaRPr lang="en-US"/>
           </a:p>
@@ -1807,7 +1808,7 @@
           <a:p>
             <a:fld id="{A2280C3D-5AAB-417F-934D-42C38D918270}" type="datetimeFigureOut">
               <a:rPr lang="en-US" smtClean="0"/>
-              <a:t>1/7/2025</a:t>
+              <a:t>1/8/2025</a:t>
             </a:fld>
             <a:endParaRPr lang="en-US"/>
           </a:p>
@@ -2082,7 +2083,7 @@
           <a:p>
             <a:fld id="{A2280C3D-5AAB-417F-934D-42C38D918270}" type="datetimeFigureOut">
               <a:rPr lang="en-US" smtClean="0"/>
-              <a:t>1/7/2025</a:t>
+              <a:t>1/8/2025</a:t>
             </a:fld>
             <a:endParaRPr lang="en-US"/>
           </a:p>
@@ -2334,7 +2335,7 @@
           <a:p>
             <a:fld id="{A2280C3D-5AAB-417F-934D-42C38D918270}" type="datetimeFigureOut">
               <a:rPr lang="en-US" smtClean="0"/>
-              <a:t>1/7/2025</a:t>
+              <a:t>1/8/2025</a:t>
             </a:fld>
             <a:endParaRPr lang="en-US"/>
           </a:p>
@@ -2545,7 +2546,7 @@
           <a:p>
             <a:fld id="{A2280C3D-5AAB-417F-934D-42C38D918270}" type="datetimeFigureOut">
               <a:rPr lang="en-US" smtClean="0"/>
-              <a:t>1/7/2025</a:t>
+              <a:t>1/8/2025</a:t>
             </a:fld>
             <a:endParaRPr lang="en-US"/>
           </a:p>
@@ -11442,6 +11443,7 @@
             <a:chOff x="1365870" y="1396171"/>
             <a:chExt cx="3170038" cy="3654392"/>
           </a:xfrm>
+          <a:noFill/>
         </p:grpSpPr>
         <p:grpSp>
           <p:nvGrpSpPr>
@@ -11462,6 +11464,7 @@
               <a:chOff x="5494590" y="1890758"/>
               <a:chExt cx="1417052" cy="2535964"/>
             </a:xfrm>
+            <a:grpFill/>
           </p:grpSpPr>
           <p:sp>
             <p:nvSpPr>
@@ -11483,6 +11486,7 @@
               <a:prstGeom prst="ellipse">
                 <a:avLst/>
               </a:prstGeom>
+              <a:grpFill/>
             </p:spPr>
             <p:style>
               <a:lnRef idx="2">
@@ -11529,6 +11533,7 @@
               <a:prstGeom prst="ellipse">
                 <a:avLst/>
               </a:prstGeom>
+              <a:grpFill/>
             </p:spPr>
             <p:style>
               <a:lnRef idx="2">
@@ -11575,6 +11580,7 @@
               <a:prstGeom prst="ellipse">
                 <a:avLst/>
               </a:prstGeom>
+              <a:grpFill/>
             </p:spPr>
             <p:style>
               <a:lnRef idx="2">
@@ -11621,6 +11627,7 @@
               <a:prstGeom prst="ellipse">
                 <a:avLst/>
               </a:prstGeom>
+              <a:grpFill/>
             </p:spPr>
             <p:style>
               <a:lnRef idx="2">
@@ -11667,6 +11674,7 @@
               <a:prstGeom prst="ellipse">
                 <a:avLst/>
               </a:prstGeom>
+              <a:grpFill/>
             </p:spPr>
             <p:style>
               <a:lnRef idx="2">
@@ -11713,6 +11721,7 @@
               <a:prstGeom prst="ellipse">
                 <a:avLst/>
               </a:prstGeom>
+              <a:grpFill/>
             </p:spPr>
             <p:style>
               <a:lnRef idx="2">
@@ -11759,6 +11768,7 @@
               <a:prstGeom prst="ellipse">
                 <a:avLst/>
               </a:prstGeom>
+              <a:grpFill/>
             </p:spPr>
             <p:style>
               <a:lnRef idx="2">
@@ -11805,6 +11815,7 @@
               <a:prstGeom prst="ellipse">
                 <a:avLst/>
               </a:prstGeom>
+              <a:grpFill/>
             </p:spPr>
             <p:style>
               <a:lnRef idx="2">
@@ -11851,6 +11862,7 @@
               <a:prstGeom prst="ellipse">
                 <a:avLst/>
               </a:prstGeom>
+              <a:grpFill/>
             </p:spPr>
             <p:style>
               <a:lnRef idx="2">
@@ -11897,6 +11909,7 @@
               <a:prstGeom prst="ellipse">
                 <a:avLst/>
               </a:prstGeom>
+              <a:grpFill/>
             </p:spPr>
             <p:style>
               <a:lnRef idx="2">
@@ -11943,6 +11956,7 @@
               <a:prstGeom prst="ellipse">
                 <a:avLst/>
               </a:prstGeom>
+              <a:grpFill/>
             </p:spPr>
             <p:style>
               <a:lnRef idx="2">
@@ -11989,6 +12003,7 @@
               <a:prstGeom prst="ellipse">
                 <a:avLst/>
               </a:prstGeom>
+              <a:grpFill/>
             </p:spPr>
             <p:style>
               <a:lnRef idx="2">
@@ -12035,6 +12050,7 @@
               <a:prstGeom prst="ellipse">
                 <a:avLst/>
               </a:prstGeom>
+              <a:grpFill/>
             </p:spPr>
             <p:style>
               <a:lnRef idx="2">
@@ -12081,6 +12097,7 @@
               <a:prstGeom prst="ellipse">
                 <a:avLst/>
               </a:prstGeom>
+              <a:grpFill/>
             </p:spPr>
             <p:style>
               <a:lnRef idx="2">
@@ -12127,6 +12144,7 @@
               <a:prstGeom prst="ellipse">
                 <a:avLst/>
               </a:prstGeom>
+              <a:grpFill/>
             </p:spPr>
             <p:style>
               <a:lnRef idx="2">
@@ -12173,6 +12191,7 @@
               <a:prstGeom prst="ellipse">
                 <a:avLst/>
               </a:prstGeom>
+              <a:grpFill/>
             </p:spPr>
             <p:style>
               <a:lnRef idx="2">
@@ -12219,6 +12238,7 @@
               <a:prstGeom prst="ellipse">
                 <a:avLst/>
               </a:prstGeom>
+              <a:grpFill/>
             </p:spPr>
             <p:style>
               <a:lnRef idx="2">
@@ -12265,6 +12285,7 @@
               <a:prstGeom prst="ellipse">
                 <a:avLst/>
               </a:prstGeom>
+              <a:grpFill/>
             </p:spPr>
             <p:style>
               <a:lnRef idx="2">
@@ -12311,6 +12332,7 @@
               <a:prstGeom prst="ellipse">
                 <a:avLst/>
               </a:prstGeom>
+              <a:grpFill/>
             </p:spPr>
             <p:style>
               <a:lnRef idx="2">
@@ -12357,6 +12379,7 @@
               <a:prstGeom prst="ellipse">
                 <a:avLst/>
               </a:prstGeom>
+              <a:grpFill/>
             </p:spPr>
             <p:style>
               <a:lnRef idx="2">
@@ -12403,6 +12426,7 @@
               <a:prstGeom prst="ellipse">
                 <a:avLst/>
               </a:prstGeom>
+              <a:grpFill/>
             </p:spPr>
             <p:style>
               <a:lnRef idx="2">
@@ -12449,6 +12473,7 @@
               <a:prstGeom prst="ellipse">
                 <a:avLst/>
               </a:prstGeom>
+              <a:grpFill/>
             </p:spPr>
             <p:style>
               <a:lnRef idx="2">
@@ -12495,6 +12520,7 @@
               <a:prstGeom prst="ellipse">
                 <a:avLst/>
               </a:prstGeom>
+              <a:grpFill/>
             </p:spPr>
             <p:style>
               <a:lnRef idx="2">
@@ -12541,6 +12567,7 @@
               <a:prstGeom prst="ellipse">
                 <a:avLst/>
               </a:prstGeom>
+              <a:grpFill/>
             </p:spPr>
             <p:style>
               <a:lnRef idx="2">
@@ -12587,6 +12614,7 @@
               <a:chOff x="2006482" y="822176"/>
               <a:chExt cx="1417052" cy="2535964"/>
             </a:xfrm>
+            <a:grpFill/>
           </p:grpSpPr>
           <p:sp>
             <p:nvSpPr>
@@ -12608,6 +12636,7 @@
               <a:prstGeom prst="ellipse">
                 <a:avLst/>
               </a:prstGeom>
+              <a:grpFill/>
             </p:spPr>
             <p:style>
               <a:lnRef idx="2">
@@ -12654,6 +12683,7 @@
               <a:prstGeom prst="ellipse">
                 <a:avLst/>
               </a:prstGeom>
+              <a:grpFill/>
             </p:spPr>
             <p:style>
               <a:lnRef idx="2">
@@ -12700,6 +12730,7 @@
               <a:prstGeom prst="ellipse">
                 <a:avLst/>
               </a:prstGeom>
+              <a:grpFill/>
             </p:spPr>
             <p:style>
               <a:lnRef idx="2">
@@ -12746,6 +12777,7 @@
               <a:prstGeom prst="ellipse">
                 <a:avLst/>
               </a:prstGeom>
+              <a:grpFill/>
             </p:spPr>
             <p:style>
               <a:lnRef idx="2">
@@ -12792,6 +12824,7 @@
               <a:prstGeom prst="ellipse">
                 <a:avLst/>
               </a:prstGeom>
+              <a:grpFill/>
             </p:spPr>
             <p:style>
               <a:lnRef idx="2">
@@ -12838,6 +12871,7 @@
               <a:prstGeom prst="ellipse">
                 <a:avLst/>
               </a:prstGeom>
+              <a:grpFill/>
             </p:spPr>
             <p:style>
               <a:lnRef idx="2">
@@ -12884,6 +12918,7 @@
               <a:prstGeom prst="ellipse">
                 <a:avLst/>
               </a:prstGeom>
+              <a:grpFill/>
             </p:spPr>
             <p:style>
               <a:lnRef idx="2">
@@ -12930,6 +12965,7 @@
               <a:prstGeom prst="ellipse">
                 <a:avLst/>
               </a:prstGeom>
+              <a:grpFill/>
             </p:spPr>
             <p:style>
               <a:lnRef idx="2">
@@ -12976,6 +13012,7 @@
               <a:prstGeom prst="ellipse">
                 <a:avLst/>
               </a:prstGeom>
+              <a:grpFill/>
             </p:spPr>
             <p:style>
               <a:lnRef idx="2">
@@ -13022,6 +13059,7 @@
               <a:prstGeom prst="ellipse">
                 <a:avLst/>
               </a:prstGeom>
+              <a:grpFill/>
             </p:spPr>
             <p:style>
               <a:lnRef idx="2">
@@ -13068,6 +13106,7 @@
               <a:prstGeom prst="ellipse">
                 <a:avLst/>
               </a:prstGeom>
+              <a:grpFill/>
             </p:spPr>
             <p:style>
               <a:lnRef idx="2">
@@ -13114,6 +13153,7 @@
               <a:prstGeom prst="ellipse">
                 <a:avLst/>
               </a:prstGeom>
+              <a:grpFill/>
             </p:spPr>
             <p:style>
               <a:lnRef idx="2">
@@ -13160,6 +13200,7 @@
               <a:prstGeom prst="ellipse">
                 <a:avLst/>
               </a:prstGeom>
+              <a:grpFill/>
             </p:spPr>
             <p:style>
               <a:lnRef idx="2">
@@ -13206,6 +13247,7 @@
               <a:prstGeom prst="ellipse">
                 <a:avLst/>
               </a:prstGeom>
+              <a:grpFill/>
             </p:spPr>
             <p:style>
               <a:lnRef idx="2">
@@ -13252,6 +13294,7 @@
               <a:prstGeom prst="ellipse">
                 <a:avLst/>
               </a:prstGeom>
+              <a:grpFill/>
             </p:spPr>
             <p:style>
               <a:lnRef idx="2">
@@ -13298,6 +13341,7 @@
               <a:prstGeom prst="ellipse">
                 <a:avLst/>
               </a:prstGeom>
+              <a:grpFill/>
             </p:spPr>
             <p:style>
               <a:lnRef idx="2">
@@ -13344,6 +13388,7 @@
               <a:prstGeom prst="ellipse">
                 <a:avLst/>
               </a:prstGeom>
+              <a:grpFill/>
             </p:spPr>
             <p:style>
               <a:lnRef idx="2">
@@ -13390,6 +13435,7 @@
               <a:prstGeom prst="ellipse">
                 <a:avLst/>
               </a:prstGeom>
+              <a:grpFill/>
             </p:spPr>
             <p:style>
               <a:lnRef idx="2">
@@ -13436,6 +13482,7 @@
               <a:prstGeom prst="ellipse">
                 <a:avLst/>
               </a:prstGeom>
+              <a:grpFill/>
             </p:spPr>
             <p:style>
               <a:lnRef idx="2">
@@ -13482,6 +13529,7 @@
               <a:prstGeom prst="ellipse">
                 <a:avLst/>
               </a:prstGeom>
+              <a:grpFill/>
             </p:spPr>
             <p:style>
               <a:lnRef idx="2">
@@ -13528,6 +13576,7 @@
               <a:prstGeom prst="ellipse">
                 <a:avLst/>
               </a:prstGeom>
+              <a:grpFill/>
             </p:spPr>
             <p:style>
               <a:lnRef idx="2">
@@ -13574,6 +13623,7 @@
               <a:prstGeom prst="ellipse">
                 <a:avLst/>
               </a:prstGeom>
+              <a:grpFill/>
             </p:spPr>
             <p:style>
               <a:lnRef idx="2">
@@ -13620,6 +13670,7 @@
               <a:prstGeom prst="ellipse">
                 <a:avLst/>
               </a:prstGeom>
+              <a:grpFill/>
             </p:spPr>
             <p:style>
               <a:lnRef idx="2">
@@ -13666,6 +13717,7 @@
               <a:prstGeom prst="ellipse">
                 <a:avLst/>
               </a:prstGeom>
+              <a:grpFill/>
             </p:spPr>
             <p:style>
               <a:lnRef idx="2">
@@ -14180,7 +14232,7 @@
         </p:nvGrpSpPr>
         <p:grpSpPr>
           <a:xfrm>
-            <a:off x="7471482" y="2762249"/>
+            <a:off x="6970262" y="3638595"/>
             <a:ext cx="1828800" cy="1828800"/>
             <a:chOff x="5134709" y="2048607"/>
             <a:chExt cx="2286000" cy="2286000"/>
@@ -14329,6 +14381,7 @@
             <a:chOff x="919232" y="774820"/>
             <a:chExt cx="4031630" cy="3693557"/>
           </a:xfrm>
+          <a:noFill/>
         </p:grpSpPr>
         <p:grpSp>
           <p:nvGrpSpPr>
@@ -14349,6 +14402,7 @@
               <a:chOff x="1032582" y="1059324"/>
               <a:chExt cx="3699880" cy="3284078"/>
             </a:xfrm>
+            <a:grpFill/>
           </p:grpSpPr>
           <p:sp>
             <p:nvSpPr>
@@ -14370,6 +14424,7 @@
               <a:prstGeom prst="ellipse">
                 <a:avLst/>
               </a:prstGeom>
+              <a:grpFill/>
             </p:spPr>
             <p:style>
               <a:lnRef idx="2">
@@ -14416,6 +14471,7 @@
               <a:prstGeom prst="ellipse">
                 <a:avLst/>
               </a:prstGeom>
+              <a:grpFill/>
             </p:spPr>
             <p:style>
               <a:lnRef idx="2">
@@ -14462,6 +14518,7 @@
               <a:prstGeom prst="ellipse">
                 <a:avLst/>
               </a:prstGeom>
+              <a:grpFill/>
             </p:spPr>
             <p:style>
               <a:lnRef idx="2">
@@ -14508,6 +14565,7 @@
               <a:prstGeom prst="ellipse">
                 <a:avLst/>
               </a:prstGeom>
+              <a:grpFill/>
             </p:spPr>
             <p:style>
               <a:lnRef idx="2">
@@ -14554,6 +14612,7 @@
               <a:prstGeom prst="ellipse">
                 <a:avLst/>
               </a:prstGeom>
+              <a:grpFill/>
             </p:spPr>
             <p:style>
               <a:lnRef idx="2">
@@ -14600,6 +14659,7 @@
               <a:prstGeom prst="ellipse">
                 <a:avLst/>
               </a:prstGeom>
+              <a:grpFill/>
             </p:spPr>
             <p:style>
               <a:lnRef idx="2">
@@ -14646,6 +14706,7 @@
               <a:prstGeom prst="ellipse">
                 <a:avLst/>
               </a:prstGeom>
+              <a:grpFill/>
             </p:spPr>
             <p:style>
               <a:lnRef idx="2">
@@ -14692,6 +14753,7 @@
               <a:prstGeom prst="ellipse">
                 <a:avLst/>
               </a:prstGeom>
+              <a:grpFill/>
             </p:spPr>
             <p:style>
               <a:lnRef idx="2">
@@ -14738,6 +14800,7 @@
               <a:prstGeom prst="ellipse">
                 <a:avLst/>
               </a:prstGeom>
+              <a:grpFill/>
             </p:spPr>
             <p:style>
               <a:lnRef idx="2">
@@ -14784,6 +14847,7 @@
               <a:prstGeom prst="ellipse">
                 <a:avLst/>
               </a:prstGeom>
+              <a:grpFill/>
             </p:spPr>
             <p:style>
               <a:lnRef idx="2">
@@ -14830,6 +14894,7 @@
               <a:prstGeom prst="ellipse">
                 <a:avLst/>
               </a:prstGeom>
+              <a:grpFill/>
             </p:spPr>
             <p:style>
               <a:lnRef idx="2">
@@ -14876,6 +14941,7 @@
               <a:prstGeom prst="ellipse">
                 <a:avLst/>
               </a:prstGeom>
+              <a:grpFill/>
             </p:spPr>
             <p:style>
               <a:lnRef idx="2">
@@ -14922,6 +14988,7 @@
               <a:prstGeom prst="ellipse">
                 <a:avLst/>
               </a:prstGeom>
+              <a:grpFill/>
             </p:spPr>
             <p:style>
               <a:lnRef idx="2">
@@ -14968,6 +15035,7 @@
               <a:prstGeom prst="ellipse">
                 <a:avLst/>
               </a:prstGeom>
+              <a:grpFill/>
             </p:spPr>
             <p:style>
               <a:lnRef idx="2">
@@ -15014,6 +15082,7 @@
               <a:prstGeom prst="ellipse">
                 <a:avLst/>
               </a:prstGeom>
+              <a:grpFill/>
             </p:spPr>
             <p:style>
               <a:lnRef idx="2">
@@ -15060,6 +15129,7 @@
               <a:prstGeom prst="ellipse">
                 <a:avLst/>
               </a:prstGeom>
+              <a:grpFill/>
             </p:spPr>
             <p:style>
               <a:lnRef idx="2">
@@ -15106,6 +15176,7 @@
               <a:prstGeom prst="ellipse">
                 <a:avLst/>
               </a:prstGeom>
+              <a:grpFill/>
             </p:spPr>
             <p:style>
               <a:lnRef idx="2">
@@ -15152,6 +15223,7 @@
               <a:prstGeom prst="ellipse">
                 <a:avLst/>
               </a:prstGeom>
+              <a:grpFill/>
             </p:spPr>
             <p:style>
               <a:lnRef idx="2">
@@ -15198,6 +15270,7 @@
               <a:prstGeom prst="ellipse">
                 <a:avLst/>
               </a:prstGeom>
+              <a:grpFill/>
             </p:spPr>
             <p:style>
               <a:lnRef idx="2">
@@ -15244,6 +15317,7 @@
               <a:prstGeom prst="ellipse">
                 <a:avLst/>
               </a:prstGeom>
+              <a:grpFill/>
             </p:spPr>
             <p:style>
               <a:lnRef idx="2">
@@ -15290,6 +15364,7 @@
               <a:prstGeom prst="ellipse">
                 <a:avLst/>
               </a:prstGeom>
+              <a:grpFill/>
             </p:spPr>
             <p:style>
               <a:lnRef idx="2">
@@ -15336,6 +15411,7 @@
               <a:prstGeom prst="ellipse">
                 <a:avLst/>
               </a:prstGeom>
+              <a:grpFill/>
             </p:spPr>
             <p:style>
               <a:lnRef idx="2">
@@ -15382,6 +15458,7 @@
               <a:prstGeom prst="ellipse">
                 <a:avLst/>
               </a:prstGeom>
+              <a:grpFill/>
             </p:spPr>
             <p:style>
               <a:lnRef idx="2">
@@ -15428,6 +15505,7 @@
               <a:prstGeom prst="ellipse">
                 <a:avLst/>
               </a:prstGeom>
+              <a:grpFill/>
             </p:spPr>
             <p:style>
               <a:lnRef idx="2">
@@ -15474,6 +15552,7 @@
               <a:prstGeom prst="ellipse">
                 <a:avLst/>
               </a:prstGeom>
+              <a:grpFill/>
             </p:spPr>
             <p:style>
               <a:lnRef idx="2">
@@ -15520,6 +15599,7 @@
               <a:prstGeom prst="ellipse">
                 <a:avLst/>
               </a:prstGeom>
+              <a:grpFill/>
             </p:spPr>
             <p:style>
               <a:lnRef idx="2">
@@ -15566,6 +15646,7 @@
               <a:prstGeom prst="ellipse">
                 <a:avLst/>
               </a:prstGeom>
+              <a:grpFill/>
             </p:spPr>
             <p:style>
               <a:lnRef idx="2">
@@ -15612,6 +15693,7 @@
               <a:prstGeom prst="ellipse">
                 <a:avLst/>
               </a:prstGeom>
+              <a:grpFill/>
             </p:spPr>
             <p:style>
               <a:lnRef idx="2">
@@ -15658,6 +15740,7 @@
               <a:prstGeom prst="ellipse">
                 <a:avLst/>
               </a:prstGeom>
+              <a:grpFill/>
             </p:spPr>
             <p:style>
               <a:lnRef idx="2">
@@ -15704,6 +15787,7 @@
               <a:prstGeom prst="ellipse">
                 <a:avLst/>
               </a:prstGeom>
+              <a:grpFill/>
             </p:spPr>
             <p:style>
               <a:lnRef idx="2">
@@ -15750,6 +15834,7 @@
               <a:prstGeom prst="ellipse">
                 <a:avLst/>
               </a:prstGeom>
+              <a:grpFill/>
             </p:spPr>
             <p:style>
               <a:lnRef idx="2">
@@ -15796,6 +15881,7 @@
               <a:prstGeom prst="ellipse">
                 <a:avLst/>
               </a:prstGeom>
+              <a:grpFill/>
             </p:spPr>
             <p:style>
               <a:lnRef idx="2">
@@ -15842,6 +15928,7 @@
               <a:prstGeom prst="ellipse">
                 <a:avLst/>
               </a:prstGeom>
+              <a:grpFill/>
             </p:spPr>
             <p:style>
               <a:lnRef idx="2">
@@ -15888,6 +15975,7 @@
               <a:prstGeom prst="ellipse">
                 <a:avLst/>
               </a:prstGeom>
+              <a:grpFill/>
             </p:spPr>
             <p:style>
               <a:lnRef idx="2">
@@ -15934,6 +16022,7 @@
               <a:prstGeom prst="ellipse">
                 <a:avLst/>
               </a:prstGeom>
+              <a:grpFill/>
             </p:spPr>
             <p:style>
               <a:lnRef idx="2">
@@ -15980,6 +16069,7 @@
               <a:prstGeom prst="ellipse">
                 <a:avLst/>
               </a:prstGeom>
+              <a:grpFill/>
             </p:spPr>
             <p:style>
               <a:lnRef idx="2">
@@ -16026,6 +16116,7 @@
               <a:prstGeom prst="ellipse">
                 <a:avLst/>
               </a:prstGeom>
+              <a:grpFill/>
             </p:spPr>
             <p:style>
               <a:lnRef idx="2">
@@ -16072,6 +16163,7 @@
               <a:prstGeom prst="ellipse">
                 <a:avLst/>
               </a:prstGeom>
+              <a:grpFill/>
             </p:spPr>
             <p:style>
               <a:lnRef idx="2">
@@ -16118,6 +16210,7 @@
               <a:prstGeom prst="ellipse">
                 <a:avLst/>
               </a:prstGeom>
+              <a:grpFill/>
             </p:spPr>
             <p:style>
               <a:lnRef idx="2">
@@ -16164,6 +16257,7 @@
               <a:prstGeom prst="ellipse">
                 <a:avLst/>
               </a:prstGeom>
+              <a:grpFill/>
             </p:spPr>
             <p:style>
               <a:lnRef idx="2">
@@ -16210,6 +16304,7 @@
               <a:prstGeom prst="ellipse">
                 <a:avLst/>
               </a:prstGeom>
+              <a:grpFill/>
             </p:spPr>
             <p:style>
               <a:lnRef idx="2">
@@ -16256,6 +16351,7 @@
               <a:prstGeom prst="ellipse">
                 <a:avLst/>
               </a:prstGeom>
+              <a:grpFill/>
             </p:spPr>
             <p:style>
               <a:lnRef idx="2">
@@ -16302,6 +16398,7 @@
               <a:prstGeom prst="ellipse">
                 <a:avLst/>
               </a:prstGeom>
+              <a:grpFill/>
             </p:spPr>
             <p:style>
               <a:lnRef idx="2">
@@ -16348,6 +16445,7 @@
               <a:prstGeom prst="ellipse">
                 <a:avLst/>
               </a:prstGeom>
+              <a:grpFill/>
             </p:spPr>
             <p:style>
               <a:lnRef idx="2">
@@ -16394,6 +16492,7 @@
               <a:prstGeom prst="ellipse">
                 <a:avLst/>
               </a:prstGeom>
+              <a:grpFill/>
             </p:spPr>
             <p:style>
               <a:lnRef idx="2">
@@ -16440,6 +16539,7 @@
               <a:prstGeom prst="ellipse">
                 <a:avLst/>
               </a:prstGeom>
+              <a:grpFill/>
             </p:spPr>
             <p:style>
               <a:lnRef idx="2">
@@ -16486,6 +16586,7 @@
               <a:prstGeom prst="ellipse">
                 <a:avLst/>
               </a:prstGeom>
+              <a:grpFill/>
             </p:spPr>
             <p:style>
               <a:lnRef idx="2">
@@ -16532,6 +16633,7 @@
               <a:prstGeom prst="ellipse">
                 <a:avLst/>
               </a:prstGeom>
+              <a:grpFill/>
             </p:spPr>
             <p:style>
               <a:lnRef idx="2">
@@ -16578,6 +16680,7 @@
               <a:prstGeom prst="ellipse">
                 <a:avLst/>
               </a:prstGeom>
+              <a:grpFill/>
             </p:spPr>
             <p:style>
               <a:lnRef idx="2">
@@ -16624,6 +16727,7 @@
               <a:prstGeom prst="ellipse">
                 <a:avLst/>
               </a:prstGeom>
+              <a:grpFill/>
             </p:spPr>
             <p:style>
               <a:lnRef idx="2">
@@ -16670,6 +16774,7 @@
               <a:prstGeom prst="ellipse">
                 <a:avLst/>
               </a:prstGeom>
+              <a:grpFill/>
             </p:spPr>
             <p:style>
               <a:lnRef idx="2">
@@ -16716,6 +16821,7 @@
               <a:prstGeom prst="ellipse">
                 <a:avLst/>
               </a:prstGeom>
+              <a:grpFill/>
             </p:spPr>
             <p:style>
               <a:lnRef idx="2">
@@ -16762,6 +16868,7 @@
               <a:prstGeom prst="ellipse">
                 <a:avLst/>
               </a:prstGeom>
+              <a:grpFill/>
             </p:spPr>
             <p:style>
               <a:lnRef idx="2">
@@ -16808,6 +16915,7 @@
               <a:prstGeom prst="ellipse">
                 <a:avLst/>
               </a:prstGeom>
+              <a:grpFill/>
             </p:spPr>
             <p:style>
               <a:lnRef idx="2">
@@ -16854,6 +16962,7 @@
               <a:prstGeom prst="ellipse">
                 <a:avLst/>
               </a:prstGeom>
+              <a:grpFill/>
             </p:spPr>
             <p:style>
               <a:lnRef idx="2">
@@ -16900,6 +17009,7 @@
               <a:prstGeom prst="ellipse">
                 <a:avLst/>
               </a:prstGeom>
+              <a:grpFill/>
             </p:spPr>
             <p:style>
               <a:lnRef idx="2">
@@ -16946,6 +17056,7 @@
               <a:prstGeom prst="ellipse">
                 <a:avLst/>
               </a:prstGeom>
+              <a:grpFill/>
             </p:spPr>
             <p:style>
               <a:lnRef idx="2">
@@ -16992,6 +17103,7 @@
               <a:prstGeom prst="ellipse">
                 <a:avLst/>
               </a:prstGeom>
+              <a:grpFill/>
             </p:spPr>
             <p:style>
               <a:lnRef idx="2">
@@ -17038,6 +17150,7 @@
               <a:prstGeom prst="ellipse">
                 <a:avLst/>
               </a:prstGeom>
+              <a:grpFill/>
             </p:spPr>
             <p:style>
               <a:lnRef idx="2">
@@ -17084,6 +17197,7 @@
               <a:prstGeom prst="ellipse">
                 <a:avLst/>
               </a:prstGeom>
+              <a:grpFill/>
             </p:spPr>
             <p:style>
               <a:lnRef idx="2">
@@ -17130,6 +17244,7 @@
               <a:prstGeom prst="ellipse">
                 <a:avLst/>
               </a:prstGeom>
+              <a:grpFill/>
             </p:spPr>
             <p:style>
               <a:lnRef idx="2">
@@ -17176,6 +17291,7 @@
               <a:prstGeom prst="ellipse">
                 <a:avLst/>
               </a:prstGeom>
+              <a:grpFill/>
             </p:spPr>
             <p:style>
               <a:lnRef idx="2">
@@ -17222,6 +17338,7 @@
               <a:prstGeom prst="ellipse">
                 <a:avLst/>
               </a:prstGeom>
+              <a:grpFill/>
             </p:spPr>
             <p:style>
               <a:lnRef idx="2">
@@ -17268,6 +17385,7 @@
               <a:prstGeom prst="ellipse">
                 <a:avLst/>
               </a:prstGeom>
+              <a:grpFill/>
             </p:spPr>
             <p:style>
               <a:lnRef idx="2">
@@ -17314,6 +17432,7 @@
               <a:prstGeom prst="ellipse">
                 <a:avLst/>
               </a:prstGeom>
+              <a:grpFill/>
             </p:spPr>
             <p:style>
               <a:lnRef idx="2">
@@ -17360,6 +17479,7 @@
               <a:prstGeom prst="ellipse">
                 <a:avLst/>
               </a:prstGeom>
+              <a:grpFill/>
             </p:spPr>
             <p:style>
               <a:lnRef idx="2">
@@ -17406,6 +17526,7 @@
               <a:prstGeom prst="ellipse">
                 <a:avLst/>
               </a:prstGeom>
+              <a:grpFill/>
             </p:spPr>
             <p:style>
               <a:lnRef idx="2">
@@ -17452,6 +17573,7 @@
               <a:prstGeom prst="ellipse">
                 <a:avLst/>
               </a:prstGeom>
+              <a:grpFill/>
             </p:spPr>
             <p:style>
               <a:lnRef idx="2">
@@ -17498,6 +17620,7 @@
               <a:prstGeom prst="ellipse">
                 <a:avLst/>
               </a:prstGeom>
+              <a:grpFill/>
             </p:spPr>
             <p:style>
               <a:lnRef idx="2">
@@ -17544,6 +17667,7 @@
               <a:prstGeom prst="ellipse">
                 <a:avLst/>
               </a:prstGeom>
+              <a:grpFill/>
             </p:spPr>
             <p:style>
               <a:lnRef idx="2">
@@ -17590,6 +17714,7 @@
               <a:prstGeom prst="ellipse">
                 <a:avLst/>
               </a:prstGeom>
+              <a:grpFill/>
             </p:spPr>
             <p:style>
               <a:lnRef idx="2">
@@ -17637,6 +17762,7 @@
             <a:prstGeom prst="ellipse">
               <a:avLst/>
             </a:prstGeom>
+            <a:grpFill/>
           </p:spPr>
           <p:style>
             <a:lnRef idx="2">
@@ -17683,6 +17809,7 @@
             <a:prstGeom prst="ellipse">
               <a:avLst/>
             </a:prstGeom>
+            <a:grpFill/>
           </p:spPr>
           <p:style>
             <a:lnRef idx="2">
@@ -17714,6 +17841,1370 @@
     <p:extLst>
       <p:ext uri="{BB962C8B-B14F-4D97-AF65-F5344CB8AC3E}">
         <p14:creationId xmlns:p14="http://schemas.microsoft.com/office/powerpoint/2010/main" val="4208112257"/>
+      </p:ext>
+    </p:extLst>
+  </p:cSld>
+  <p:clrMapOvr>
+    <a:masterClrMapping/>
+  </p:clrMapOvr>
+</p:sld>
+</file>
+
+<file path=ppt/slides/slide4.xml><?xml version="1.0" encoding="utf-8"?>
+<p:sld xmlns:a="http://schemas.openxmlformats.org/drawingml/2006/main" xmlns:r="http://schemas.openxmlformats.org/officeDocument/2006/relationships" xmlns:p="http://schemas.openxmlformats.org/presentationml/2006/main">
+  <p:cSld>
+    <p:spTree>
+      <p:nvGrpSpPr>
+        <p:cNvPr id="1" name=""/>
+        <p:cNvGrpSpPr/>
+        <p:nvPr/>
+      </p:nvGrpSpPr>
+      <p:grpSpPr>
+        <a:xfrm>
+          <a:off x="0" y="0"/>
+          <a:ext cx="0" cy="0"/>
+          <a:chOff x="0" y="0"/>
+          <a:chExt cx="0" cy="0"/>
+        </a:xfrm>
+      </p:grpSpPr>
+      <p:grpSp>
+        <p:nvGrpSpPr>
+          <p:cNvPr id="53" name="Group 52">
+            <a:extLst>
+              <a:ext uri="{FF2B5EF4-FFF2-40B4-BE49-F238E27FC236}">
+                <a16:creationId xmlns:a16="http://schemas.microsoft.com/office/drawing/2014/main" id="{9152492D-C960-294B-1F08-20D320CCD957}"/>
+              </a:ext>
+            </a:extLst>
+          </p:cNvPr>
+          <p:cNvGrpSpPr/>
+          <p:nvPr/>
+        </p:nvGrpSpPr>
+        <p:grpSpPr>
+          <a:xfrm>
+            <a:off x="6544056" y="2509037"/>
+            <a:ext cx="1828800" cy="1828800"/>
+            <a:chOff x="5134709" y="2048607"/>
+            <a:chExt cx="2286000" cy="2286000"/>
+          </a:xfrm>
+        </p:grpSpPr>
+        <p:sp>
+          <p:nvSpPr>
+            <p:cNvPr id="54" name="Oval 53">
+              <a:extLst>
+                <a:ext uri="{FF2B5EF4-FFF2-40B4-BE49-F238E27FC236}">
+                  <a16:creationId xmlns:a16="http://schemas.microsoft.com/office/drawing/2014/main" id="{B58477EF-BA2C-16DF-6464-2A73E85489E1}"/>
+                </a:ext>
+              </a:extLst>
+            </p:cNvPr>
+            <p:cNvSpPr/>
+            <p:nvPr/>
+          </p:nvSpPr>
+          <p:spPr>
+            <a:xfrm>
+              <a:off x="5134709" y="2048607"/>
+              <a:ext cx="2286000" cy="2286000"/>
+            </a:xfrm>
+            <a:prstGeom prst="ellipse">
+              <a:avLst/>
+            </a:prstGeom>
+            <a:ln/>
+          </p:spPr>
+          <p:style>
+            <a:lnRef idx="2">
+              <a:schemeClr val="dk1"/>
+            </a:lnRef>
+            <a:fillRef idx="1">
+              <a:schemeClr val="lt1"/>
+            </a:fillRef>
+            <a:effectRef idx="0">
+              <a:schemeClr val="dk1"/>
+            </a:effectRef>
+            <a:fontRef idx="minor">
+              <a:schemeClr val="dk1"/>
+            </a:fontRef>
+          </p:style>
+          <p:txBody>
+            <a:bodyPr rtlCol="0" anchor="ctr"/>
+            <a:lstStyle/>
+            <a:p>
+              <a:pPr algn="ctr"/>
+              <a:endParaRPr lang="en-US"/>
+            </a:p>
+          </p:txBody>
+        </p:sp>
+        <p:cxnSp>
+          <p:nvCxnSpPr>
+            <p:cNvPr id="55" name="Straight Connector 54">
+              <a:extLst>
+                <a:ext uri="{FF2B5EF4-FFF2-40B4-BE49-F238E27FC236}">
+                  <a16:creationId xmlns:a16="http://schemas.microsoft.com/office/drawing/2014/main" id="{3DE357DF-7B93-0D8E-5154-25DD5517BBB8}"/>
+                </a:ext>
+              </a:extLst>
+            </p:cNvPr>
+            <p:cNvCxnSpPr>
+              <a:stCxn id="54" idx="0"/>
+              <a:endCxn id="54" idx="4"/>
+            </p:cNvCxnSpPr>
+            <p:nvPr/>
+          </p:nvCxnSpPr>
+          <p:spPr>
+            <a:xfrm>
+              <a:off x="6277709" y="2048607"/>
+              <a:ext cx="0" cy="2286000"/>
+            </a:xfrm>
+            <a:prstGeom prst="line">
+              <a:avLst/>
+            </a:prstGeom>
+          </p:spPr>
+          <p:style>
+            <a:lnRef idx="2">
+              <a:schemeClr val="dk1"/>
+            </a:lnRef>
+            <a:fillRef idx="1">
+              <a:schemeClr val="lt1"/>
+            </a:fillRef>
+            <a:effectRef idx="0">
+              <a:schemeClr val="dk1"/>
+            </a:effectRef>
+            <a:fontRef idx="minor">
+              <a:schemeClr val="dk1"/>
+            </a:fontRef>
+          </p:style>
+        </p:cxnSp>
+        <p:cxnSp>
+          <p:nvCxnSpPr>
+            <p:cNvPr id="56" name="Straight Connector 55">
+              <a:extLst>
+                <a:ext uri="{FF2B5EF4-FFF2-40B4-BE49-F238E27FC236}">
+                  <a16:creationId xmlns:a16="http://schemas.microsoft.com/office/drawing/2014/main" id="{F82EB659-1797-2D82-5CEE-FF1F8C38B7F0}"/>
+                </a:ext>
+              </a:extLst>
+            </p:cNvPr>
+            <p:cNvCxnSpPr>
+              <a:stCxn id="54" idx="2"/>
+              <a:endCxn id="54" idx="6"/>
+            </p:cNvCxnSpPr>
+            <p:nvPr/>
+          </p:nvCxnSpPr>
+          <p:spPr>
+            <a:xfrm>
+              <a:off x="5134709" y="3191607"/>
+              <a:ext cx="2286000" cy="0"/>
+            </a:xfrm>
+            <a:prstGeom prst="line">
+              <a:avLst/>
+            </a:prstGeom>
+          </p:spPr>
+          <p:style>
+            <a:lnRef idx="2">
+              <a:schemeClr val="dk1"/>
+            </a:lnRef>
+            <a:fillRef idx="1">
+              <a:schemeClr val="lt1"/>
+            </a:fillRef>
+            <a:effectRef idx="0">
+              <a:schemeClr val="dk1"/>
+            </a:effectRef>
+            <a:fontRef idx="minor">
+              <a:schemeClr val="dk1"/>
+            </a:fontRef>
+          </p:style>
+        </p:cxnSp>
+      </p:grpSp>
+      <p:grpSp>
+        <p:nvGrpSpPr>
+          <p:cNvPr id="58" name="Group 57"/>
+          <p:cNvGrpSpPr/>
+          <p:nvPr/>
+        </p:nvGrpSpPr>
+        <p:grpSpPr>
+          <a:xfrm>
+            <a:off x="1401576" y="1371406"/>
+            <a:ext cx="3368140" cy="3679157"/>
+            <a:chOff x="1401576" y="1371406"/>
+            <a:chExt cx="3368140" cy="3679157"/>
+          </a:xfrm>
+        </p:grpSpPr>
+        <p:sp>
+          <p:nvSpPr>
+            <p:cNvPr id="29" name="Oval 28">
+              <a:extLst>
+                <a:ext uri="{FF2B5EF4-FFF2-40B4-BE49-F238E27FC236}">
+                  <a16:creationId xmlns:a16="http://schemas.microsoft.com/office/drawing/2014/main" id="{70124AC9-52AF-96D8-3229-ED1868C32B09}"/>
+                </a:ext>
+              </a:extLst>
+            </p:cNvPr>
+            <p:cNvSpPr/>
+            <p:nvPr/>
+          </p:nvSpPr>
+          <p:spPr>
+            <a:xfrm>
+              <a:off x="4437816" y="4121367"/>
+              <a:ext cx="72645" cy="84585"/>
+            </a:xfrm>
+            <a:prstGeom prst="ellipse">
+              <a:avLst/>
+            </a:prstGeom>
+            <a:noFill/>
+          </p:spPr>
+          <p:style>
+            <a:lnRef idx="2">
+              <a:schemeClr val="dk1">
+                <a:shade val="15000"/>
+              </a:schemeClr>
+            </a:lnRef>
+            <a:fillRef idx="1">
+              <a:schemeClr val="dk1"/>
+            </a:fillRef>
+            <a:effectRef idx="0">
+              <a:schemeClr val="dk1"/>
+            </a:effectRef>
+            <a:fontRef idx="minor">
+              <a:schemeClr val="lt1"/>
+            </a:fontRef>
+          </p:style>
+          <p:txBody>
+            <a:bodyPr rtlCol="0" anchor="ctr"/>
+            <a:lstStyle/>
+            <a:p>
+              <a:pPr algn="ctr"/>
+              <a:endParaRPr lang="en-US"/>
+            </a:p>
+          </p:txBody>
+        </p:sp>
+        <p:sp>
+          <p:nvSpPr>
+            <p:cNvPr id="31" name="Oval 30">
+              <a:extLst>
+                <a:ext uri="{FF2B5EF4-FFF2-40B4-BE49-F238E27FC236}">
+                  <a16:creationId xmlns:a16="http://schemas.microsoft.com/office/drawing/2014/main" id="{849E243C-8735-78A4-24C8-D1705BEC7723}"/>
+                </a:ext>
+              </a:extLst>
+            </p:cNvPr>
+            <p:cNvSpPr/>
+            <p:nvPr/>
+          </p:nvSpPr>
+          <p:spPr>
+            <a:xfrm>
+              <a:off x="4023965" y="4965978"/>
+              <a:ext cx="72645" cy="84585"/>
+            </a:xfrm>
+            <a:prstGeom prst="ellipse">
+              <a:avLst/>
+            </a:prstGeom>
+            <a:noFill/>
+          </p:spPr>
+          <p:style>
+            <a:lnRef idx="2">
+              <a:schemeClr val="dk1">
+                <a:shade val="15000"/>
+              </a:schemeClr>
+            </a:lnRef>
+            <a:fillRef idx="1">
+              <a:schemeClr val="dk1"/>
+            </a:fillRef>
+            <a:effectRef idx="0">
+              <a:schemeClr val="dk1"/>
+            </a:effectRef>
+            <a:fontRef idx="minor">
+              <a:schemeClr val="lt1"/>
+            </a:fontRef>
+          </p:style>
+          <p:txBody>
+            <a:bodyPr rtlCol="0" anchor="ctr"/>
+            <a:lstStyle/>
+            <a:p>
+              <a:pPr algn="ctr"/>
+              <a:endParaRPr lang="en-US"/>
+            </a:p>
+          </p:txBody>
+        </p:sp>
+        <p:sp>
+          <p:nvSpPr>
+            <p:cNvPr id="35" name="Oval 34">
+              <a:extLst>
+                <a:ext uri="{FF2B5EF4-FFF2-40B4-BE49-F238E27FC236}">
+                  <a16:creationId xmlns:a16="http://schemas.microsoft.com/office/drawing/2014/main" id="{391FC109-CA9D-8BEF-81ED-FA45A61BCA19}"/>
+                </a:ext>
+              </a:extLst>
+            </p:cNvPr>
+            <p:cNvSpPr/>
+            <p:nvPr/>
+          </p:nvSpPr>
+          <p:spPr>
+            <a:xfrm>
+              <a:off x="3422555" y="2571731"/>
+              <a:ext cx="72645" cy="84585"/>
+            </a:xfrm>
+            <a:prstGeom prst="ellipse">
+              <a:avLst/>
+            </a:prstGeom>
+            <a:noFill/>
+          </p:spPr>
+          <p:style>
+            <a:lnRef idx="2">
+              <a:schemeClr val="dk1">
+                <a:shade val="15000"/>
+              </a:schemeClr>
+            </a:lnRef>
+            <a:fillRef idx="1">
+              <a:schemeClr val="dk1"/>
+            </a:fillRef>
+            <a:effectRef idx="0">
+              <a:schemeClr val="dk1"/>
+            </a:effectRef>
+            <a:fontRef idx="minor">
+              <a:schemeClr val="lt1"/>
+            </a:fontRef>
+          </p:style>
+          <p:txBody>
+            <a:bodyPr rtlCol="0" anchor="ctr"/>
+            <a:lstStyle/>
+            <a:p>
+              <a:pPr algn="ctr"/>
+              <a:endParaRPr lang="en-US"/>
+            </a:p>
+          </p:txBody>
+        </p:sp>
+        <p:sp>
+          <p:nvSpPr>
+            <p:cNvPr id="36" name="Oval 35">
+              <a:extLst>
+                <a:ext uri="{FF2B5EF4-FFF2-40B4-BE49-F238E27FC236}">
+                  <a16:creationId xmlns:a16="http://schemas.microsoft.com/office/drawing/2014/main" id="{37D4BD65-B99A-477E-8FEA-94EE12B9B5D5}"/>
+                </a:ext>
+              </a:extLst>
+            </p:cNvPr>
+            <p:cNvSpPr/>
+            <p:nvPr/>
+          </p:nvSpPr>
+          <p:spPr>
+            <a:xfrm>
+              <a:off x="3715394" y="4906157"/>
+              <a:ext cx="72645" cy="84585"/>
+            </a:xfrm>
+            <a:prstGeom prst="ellipse">
+              <a:avLst/>
+            </a:prstGeom>
+            <a:noFill/>
+          </p:spPr>
+          <p:style>
+            <a:lnRef idx="2">
+              <a:schemeClr val="dk1">
+                <a:shade val="15000"/>
+              </a:schemeClr>
+            </a:lnRef>
+            <a:fillRef idx="1">
+              <a:schemeClr val="dk1"/>
+            </a:fillRef>
+            <a:effectRef idx="0">
+              <a:schemeClr val="dk1"/>
+            </a:effectRef>
+            <a:fontRef idx="minor">
+              <a:schemeClr val="lt1"/>
+            </a:fontRef>
+          </p:style>
+          <p:txBody>
+            <a:bodyPr rtlCol="0" anchor="ctr"/>
+            <a:lstStyle/>
+            <a:p>
+              <a:pPr algn="ctr"/>
+              <a:endParaRPr lang="en-US"/>
+            </a:p>
+          </p:txBody>
+        </p:sp>
+        <p:sp>
+          <p:nvSpPr>
+            <p:cNvPr id="37" name="Oval 36">
+              <a:extLst>
+                <a:ext uri="{FF2B5EF4-FFF2-40B4-BE49-F238E27FC236}">
+                  <a16:creationId xmlns:a16="http://schemas.microsoft.com/office/drawing/2014/main" id="{F4D10A3E-7A7B-E862-106F-7A78D9F7FBB3}"/>
+                </a:ext>
+              </a:extLst>
+            </p:cNvPr>
+            <p:cNvSpPr/>
+            <p:nvPr/>
+          </p:nvSpPr>
+          <p:spPr>
+            <a:xfrm>
+              <a:off x="4243609" y="4683612"/>
+              <a:ext cx="72645" cy="84585"/>
+            </a:xfrm>
+            <a:prstGeom prst="ellipse">
+              <a:avLst/>
+            </a:prstGeom>
+            <a:noFill/>
+          </p:spPr>
+          <p:style>
+            <a:lnRef idx="2">
+              <a:schemeClr val="dk1">
+                <a:shade val="15000"/>
+              </a:schemeClr>
+            </a:lnRef>
+            <a:fillRef idx="1">
+              <a:schemeClr val="dk1"/>
+            </a:fillRef>
+            <a:effectRef idx="0">
+              <a:schemeClr val="dk1"/>
+            </a:effectRef>
+            <a:fontRef idx="minor">
+              <a:schemeClr val="lt1"/>
+            </a:fontRef>
+          </p:style>
+          <p:txBody>
+            <a:bodyPr rtlCol="0" anchor="ctr"/>
+            <a:lstStyle/>
+            <a:p>
+              <a:pPr algn="ctr"/>
+              <a:endParaRPr lang="en-US"/>
+            </a:p>
+          </p:txBody>
+        </p:sp>
+        <p:sp>
+          <p:nvSpPr>
+            <p:cNvPr id="38" name="Oval 37">
+              <a:extLst>
+                <a:ext uri="{FF2B5EF4-FFF2-40B4-BE49-F238E27FC236}">
+                  <a16:creationId xmlns:a16="http://schemas.microsoft.com/office/drawing/2014/main" id="{C1D1DE42-A65E-967D-9DF2-CD47CA3526BC}"/>
+                </a:ext>
+              </a:extLst>
+            </p:cNvPr>
+            <p:cNvSpPr/>
+            <p:nvPr/>
+          </p:nvSpPr>
+          <p:spPr>
+            <a:xfrm>
+              <a:off x="4023965" y="2511200"/>
+              <a:ext cx="72645" cy="84585"/>
+            </a:xfrm>
+            <a:prstGeom prst="ellipse">
+              <a:avLst/>
+            </a:prstGeom>
+            <a:noFill/>
+          </p:spPr>
+          <p:style>
+            <a:lnRef idx="2">
+              <a:schemeClr val="dk1">
+                <a:shade val="15000"/>
+              </a:schemeClr>
+            </a:lnRef>
+            <a:fillRef idx="1">
+              <a:schemeClr val="dk1"/>
+            </a:fillRef>
+            <a:effectRef idx="0">
+              <a:schemeClr val="dk1"/>
+            </a:effectRef>
+            <a:fontRef idx="minor">
+              <a:schemeClr val="lt1"/>
+            </a:fontRef>
+          </p:style>
+          <p:txBody>
+            <a:bodyPr rtlCol="0" anchor="ctr"/>
+            <a:lstStyle/>
+            <a:p>
+              <a:pPr algn="ctr"/>
+              <a:endParaRPr lang="en-US"/>
+            </a:p>
+          </p:txBody>
+        </p:sp>
+        <p:sp>
+          <p:nvSpPr>
+            <p:cNvPr id="39" name="Oval 38">
+              <a:extLst>
+                <a:ext uri="{FF2B5EF4-FFF2-40B4-BE49-F238E27FC236}">
+                  <a16:creationId xmlns:a16="http://schemas.microsoft.com/office/drawing/2014/main" id="{6CA4CEE5-8027-24F9-FFDA-8AE34794A06F}"/>
+                </a:ext>
+              </a:extLst>
+            </p:cNvPr>
+            <p:cNvSpPr/>
+            <p:nvPr/>
+          </p:nvSpPr>
+          <p:spPr>
+            <a:xfrm>
+              <a:off x="4585483" y="3937278"/>
+              <a:ext cx="72645" cy="84585"/>
+            </a:xfrm>
+            <a:prstGeom prst="ellipse">
+              <a:avLst/>
+            </a:prstGeom>
+            <a:noFill/>
+          </p:spPr>
+          <p:style>
+            <a:lnRef idx="2">
+              <a:schemeClr val="dk1">
+                <a:shade val="15000"/>
+              </a:schemeClr>
+            </a:lnRef>
+            <a:fillRef idx="1">
+              <a:schemeClr val="dk1"/>
+            </a:fillRef>
+            <a:effectRef idx="0">
+              <a:schemeClr val="dk1"/>
+            </a:effectRef>
+            <a:fontRef idx="minor">
+              <a:schemeClr val="lt1"/>
+            </a:fontRef>
+          </p:style>
+          <p:txBody>
+            <a:bodyPr rtlCol="0" anchor="ctr"/>
+            <a:lstStyle/>
+            <a:p>
+              <a:pPr algn="ctr"/>
+              <a:endParaRPr lang="en-US"/>
+            </a:p>
+          </p:txBody>
+        </p:sp>
+        <p:sp>
+          <p:nvSpPr>
+            <p:cNvPr id="40" name="Oval 39">
+              <a:extLst>
+                <a:ext uri="{FF2B5EF4-FFF2-40B4-BE49-F238E27FC236}">
+                  <a16:creationId xmlns:a16="http://schemas.microsoft.com/office/drawing/2014/main" id="{70205A2C-622F-FE7E-4CF6-51CA8510B4A9}"/>
+                </a:ext>
+              </a:extLst>
+            </p:cNvPr>
+            <p:cNvSpPr/>
+            <p:nvPr/>
+          </p:nvSpPr>
+          <p:spPr>
+            <a:xfrm>
+              <a:off x="4304855" y="2967331"/>
+              <a:ext cx="72645" cy="84585"/>
+            </a:xfrm>
+            <a:prstGeom prst="ellipse">
+              <a:avLst/>
+            </a:prstGeom>
+            <a:noFill/>
+          </p:spPr>
+          <p:style>
+            <a:lnRef idx="2">
+              <a:schemeClr val="dk1">
+                <a:shade val="15000"/>
+              </a:schemeClr>
+            </a:lnRef>
+            <a:fillRef idx="1">
+              <a:schemeClr val="dk1"/>
+            </a:fillRef>
+            <a:effectRef idx="0">
+              <a:schemeClr val="dk1"/>
+            </a:effectRef>
+            <a:fontRef idx="minor">
+              <a:schemeClr val="lt1"/>
+            </a:fontRef>
+          </p:style>
+          <p:txBody>
+            <a:bodyPr rtlCol="0" anchor="ctr"/>
+            <a:lstStyle/>
+            <a:p>
+              <a:pPr algn="ctr"/>
+              <a:endParaRPr lang="en-US"/>
+            </a:p>
+          </p:txBody>
+        </p:sp>
+        <p:sp>
+          <p:nvSpPr>
+            <p:cNvPr id="41" name="Oval 40">
+              <a:extLst>
+                <a:ext uri="{FF2B5EF4-FFF2-40B4-BE49-F238E27FC236}">
+                  <a16:creationId xmlns:a16="http://schemas.microsoft.com/office/drawing/2014/main" id="{05A77EDB-E860-0BB1-7768-8FB9167B691F}"/>
+                </a:ext>
+              </a:extLst>
+            </p:cNvPr>
+            <p:cNvSpPr/>
+            <p:nvPr/>
+          </p:nvSpPr>
+          <p:spPr>
+            <a:xfrm>
+              <a:off x="3758122" y="2489835"/>
+              <a:ext cx="72645" cy="84585"/>
+            </a:xfrm>
+            <a:prstGeom prst="ellipse">
+              <a:avLst/>
+            </a:prstGeom>
+            <a:noFill/>
+          </p:spPr>
+          <p:style>
+            <a:lnRef idx="2">
+              <a:schemeClr val="dk1">
+                <a:shade val="15000"/>
+              </a:schemeClr>
+            </a:lnRef>
+            <a:fillRef idx="1">
+              <a:schemeClr val="dk1"/>
+            </a:fillRef>
+            <a:effectRef idx="0">
+              <a:schemeClr val="dk1"/>
+            </a:effectRef>
+            <a:fontRef idx="minor">
+              <a:schemeClr val="lt1"/>
+            </a:fontRef>
+          </p:style>
+          <p:txBody>
+            <a:bodyPr rtlCol="0" anchor="ctr"/>
+            <a:lstStyle/>
+            <a:p>
+              <a:pPr algn="ctr"/>
+              <a:endParaRPr lang="en-US"/>
+            </a:p>
+          </p:txBody>
+        </p:sp>
+        <p:sp>
+          <p:nvSpPr>
+            <p:cNvPr id="45" name="Oval 44">
+              <a:extLst>
+                <a:ext uri="{FF2B5EF4-FFF2-40B4-BE49-F238E27FC236}">
+                  <a16:creationId xmlns:a16="http://schemas.microsoft.com/office/drawing/2014/main" id="{C6560A85-7E87-DD8F-BAD2-44F7B0A986D9}"/>
+                </a:ext>
+              </a:extLst>
+            </p:cNvPr>
+            <p:cNvSpPr/>
+            <p:nvPr/>
+          </p:nvSpPr>
+          <p:spPr>
+            <a:xfrm>
+              <a:off x="3952341" y="4693223"/>
+              <a:ext cx="72645" cy="84585"/>
+            </a:xfrm>
+            <a:prstGeom prst="ellipse">
+              <a:avLst/>
+            </a:prstGeom>
+            <a:noFill/>
+          </p:spPr>
+          <p:style>
+            <a:lnRef idx="2">
+              <a:schemeClr val="dk1">
+                <a:shade val="15000"/>
+              </a:schemeClr>
+            </a:lnRef>
+            <a:fillRef idx="1">
+              <a:schemeClr val="dk1"/>
+            </a:fillRef>
+            <a:effectRef idx="0">
+              <a:schemeClr val="dk1"/>
+            </a:effectRef>
+            <a:fontRef idx="minor">
+              <a:schemeClr val="lt1"/>
+            </a:fontRef>
+          </p:style>
+          <p:txBody>
+            <a:bodyPr rtlCol="0" anchor="ctr"/>
+            <a:lstStyle/>
+            <a:p>
+              <a:pPr algn="ctr"/>
+              <a:endParaRPr lang="en-US"/>
+            </a:p>
+          </p:txBody>
+        </p:sp>
+        <p:sp>
+          <p:nvSpPr>
+            <p:cNvPr id="47" name="Oval 46">
+              <a:extLst>
+                <a:ext uri="{FF2B5EF4-FFF2-40B4-BE49-F238E27FC236}">
+                  <a16:creationId xmlns:a16="http://schemas.microsoft.com/office/drawing/2014/main" id="{3BE21C32-3F74-B93F-5B34-F5774D05D399}"/>
+                </a:ext>
+              </a:extLst>
+            </p:cNvPr>
+            <p:cNvSpPr/>
+            <p:nvPr/>
+          </p:nvSpPr>
+          <p:spPr>
+            <a:xfrm>
+              <a:off x="4137447" y="2763655"/>
+              <a:ext cx="72645" cy="84585"/>
+            </a:xfrm>
+            <a:prstGeom prst="ellipse">
+              <a:avLst/>
+            </a:prstGeom>
+            <a:noFill/>
+          </p:spPr>
+          <p:style>
+            <a:lnRef idx="2">
+              <a:schemeClr val="dk1">
+                <a:shade val="15000"/>
+              </a:schemeClr>
+            </a:lnRef>
+            <a:fillRef idx="1">
+              <a:schemeClr val="dk1"/>
+            </a:fillRef>
+            <a:effectRef idx="0">
+              <a:schemeClr val="dk1"/>
+            </a:effectRef>
+            <a:fontRef idx="minor">
+              <a:schemeClr val="lt1"/>
+            </a:fontRef>
+          </p:style>
+          <p:txBody>
+            <a:bodyPr rtlCol="0" anchor="ctr"/>
+            <a:lstStyle/>
+            <a:p>
+              <a:pPr algn="ctr"/>
+              <a:endParaRPr lang="en-US"/>
+            </a:p>
+          </p:txBody>
+        </p:sp>
+        <p:sp>
+          <p:nvSpPr>
+            <p:cNvPr id="48" name="Oval 47">
+              <a:extLst>
+                <a:ext uri="{FF2B5EF4-FFF2-40B4-BE49-F238E27FC236}">
+                  <a16:creationId xmlns:a16="http://schemas.microsoft.com/office/drawing/2014/main" id="{55D66745-EFFB-8E2E-CB51-EC534D110B39}"/>
+                </a:ext>
+              </a:extLst>
+            </p:cNvPr>
+            <p:cNvSpPr/>
+            <p:nvPr/>
+          </p:nvSpPr>
+          <p:spPr>
+            <a:xfrm>
+              <a:off x="4167357" y="4386997"/>
+              <a:ext cx="72645" cy="84585"/>
+            </a:xfrm>
+            <a:prstGeom prst="ellipse">
+              <a:avLst/>
+            </a:prstGeom>
+            <a:noFill/>
+          </p:spPr>
+          <p:style>
+            <a:lnRef idx="2">
+              <a:schemeClr val="dk1">
+                <a:shade val="15000"/>
+              </a:schemeClr>
+            </a:lnRef>
+            <a:fillRef idx="1">
+              <a:schemeClr val="dk1"/>
+            </a:fillRef>
+            <a:effectRef idx="0">
+              <a:schemeClr val="dk1"/>
+            </a:effectRef>
+            <a:fontRef idx="minor">
+              <a:schemeClr val="lt1"/>
+            </a:fontRef>
+          </p:style>
+          <p:txBody>
+            <a:bodyPr rtlCol="0" anchor="ctr"/>
+            <a:lstStyle/>
+            <a:p>
+              <a:pPr algn="ctr"/>
+              <a:endParaRPr lang="en-US"/>
+            </a:p>
+          </p:txBody>
+        </p:sp>
+        <p:sp>
+          <p:nvSpPr>
+            <p:cNvPr id="52" name="Oval 51">
+              <a:extLst>
+                <a:ext uri="{FF2B5EF4-FFF2-40B4-BE49-F238E27FC236}">
+                  <a16:creationId xmlns:a16="http://schemas.microsoft.com/office/drawing/2014/main" id="{C18DE86B-C3D8-4F25-C0FC-43E070C874E4}"/>
+                </a:ext>
+              </a:extLst>
+            </p:cNvPr>
+            <p:cNvSpPr/>
+            <p:nvPr/>
+          </p:nvSpPr>
+          <p:spPr>
+            <a:xfrm>
+              <a:off x="4697071" y="4186885"/>
+              <a:ext cx="72645" cy="84585"/>
+            </a:xfrm>
+            <a:prstGeom prst="ellipse">
+              <a:avLst/>
+            </a:prstGeom>
+            <a:noFill/>
+          </p:spPr>
+          <p:style>
+            <a:lnRef idx="2">
+              <a:schemeClr val="dk1">
+                <a:shade val="15000"/>
+              </a:schemeClr>
+            </a:lnRef>
+            <a:fillRef idx="1">
+              <a:schemeClr val="dk1"/>
+            </a:fillRef>
+            <a:effectRef idx="0">
+              <a:schemeClr val="dk1"/>
+            </a:effectRef>
+            <a:fontRef idx="minor">
+              <a:schemeClr val="lt1"/>
+            </a:fontRef>
+          </p:style>
+          <p:txBody>
+            <a:bodyPr rtlCol="0" anchor="ctr"/>
+            <a:lstStyle/>
+            <a:p>
+              <a:pPr algn="ctr"/>
+              <a:endParaRPr lang="en-US"/>
+            </a:p>
+          </p:txBody>
+        </p:sp>
+        <p:sp>
+          <p:nvSpPr>
+            <p:cNvPr id="6" name="Oval 5">
+              <a:extLst>
+                <a:ext uri="{FF2B5EF4-FFF2-40B4-BE49-F238E27FC236}">
+                  <a16:creationId xmlns:a16="http://schemas.microsoft.com/office/drawing/2014/main" id="{FE122372-5B4E-49F9-1949-1B3B849AF60A}"/>
+                </a:ext>
+              </a:extLst>
+            </p:cNvPr>
+            <p:cNvSpPr/>
+            <p:nvPr/>
+          </p:nvSpPr>
+          <p:spPr>
+            <a:xfrm rot="10800000">
+              <a:off x="1547348" y="2612863"/>
+              <a:ext cx="72645" cy="84585"/>
+            </a:xfrm>
+            <a:prstGeom prst="ellipse">
+              <a:avLst/>
+            </a:prstGeom>
+            <a:noFill/>
+          </p:spPr>
+          <p:style>
+            <a:lnRef idx="2">
+              <a:schemeClr val="dk1">
+                <a:shade val="15000"/>
+              </a:schemeClr>
+            </a:lnRef>
+            <a:fillRef idx="1">
+              <a:schemeClr val="dk1"/>
+            </a:fillRef>
+            <a:effectRef idx="0">
+              <a:schemeClr val="dk1"/>
+            </a:effectRef>
+            <a:fontRef idx="minor">
+              <a:schemeClr val="lt1"/>
+            </a:fontRef>
+          </p:style>
+          <p:txBody>
+            <a:bodyPr rtlCol="0" anchor="ctr"/>
+            <a:lstStyle/>
+            <a:p>
+              <a:pPr algn="ctr"/>
+              <a:endParaRPr lang="en-US"/>
+            </a:p>
+          </p:txBody>
+        </p:sp>
+        <p:sp>
+          <p:nvSpPr>
+            <p:cNvPr id="7" name="Oval 6">
+              <a:extLst>
+                <a:ext uri="{FF2B5EF4-FFF2-40B4-BE49-F238E27FC236}">
+                  <a16:creationId xmlns:a16="http://schemas.microsoft.com/office/drawing/2014/main" id="{5BFB2C1A-BB22-64D1-5A06-581E264E300C}"/>
+                </a:ext>
+              </a:extLst>
+            </p:cNvPr>
+            <p:cNvSpPr/>
+            <p:nvPr/>
+          </p:nvSpPr>
+          <p:spPr>
+            <a:xfrm rot="10800000">
+              <a:off x="2108866" y="1371406"/>
+              <a:ext cx="72645" cy="84585"/>
+            </a:xfrm>
+            <a:prstGeom prst="ellipse">
+              <a:avLst/>
+            </a:prstGeom>
+            <a:noFill/>
+          </p:spPr>
+          <p:style>
+            <a:lnRef idx="2">
+              <a:schemeClr val="dk1">
+                <a:shade val="15000"/>
+              </a:schemeClr>
+            </a:lnRef>
+            <a:fillRef idx="1">
+              <a:schemeClr val="dk1"/>
+            </a:fillRef>
+            <a:effectRef idx="0">
+              <a:schemeClr val="dk1"/>
+            </a:effectRef>
+            <a:fontRef idx="minor">
+              <a:schemeClr val="lt1"/>
+            </a:fontRef>
+          </p:style>
+          <p:txBody>
+            <a:bodyPr rtlCol="0" anchor="ctr"/>
+            <a:lstStyle/>
+            <a:p>
+              <a:pPr algn="ctr"/>
+              <a:endParaRPr lang="en-US"/>
+            </a:p>
+          </p:txBody>
+        </p:sp>
+        <p:sp>
+          <p:nvSpPr>
+            <p:cNvPr id="8" name="Oval 7">
+              <a:extLst>
+                <a:ext uri="{FF2B5EF4-FFF2-40B4-BE49-F238E27FC236}">
+                  <a16:creationId xmlns:a16="http://schemas.microsoft.com/office/drawing/2014/main" id="{E5390DF2-EE57-E2CE-04B4-B9D2209E3D68}"/>
+                </a:ext>
+              </a:extLst>
+            </p:cNvPr>
+            <p:cNvSpPr/>
+            <p:nvPr/>
+          </p:nvSpPr>
+          <p:spPr>
+            <a:xfrm rot="10800000">
+              <a:off x="1859311" y="2610600"/>
+              <a:ext cx="72645" cy="84585"/>
+            </a:xfrm>
+            <a:prstGeom prst="ellipse">
+              <a:avLst/>
+            </a:prstGeom>
+            <a:noFill/>
+          </p:spPr>
+          <p:style>
+            <a:lnRef idx="2">
+              <a:schemeClr val="dk1">
+                <a:shade val="15000"/>
+              </a:schemeClr>
+            </a:lnRef>
+            <a:fillRef idx="1">
+              <a:schemeClr val="dk1"/>
+            </a:fillRef>
+            <a:effectRef idx="0">
+              <a:schemeClr val="dk1"/>
+            </a:effectRef>
+            <a:fontRef idx="minor">
+              <a:schemeClr val="lt1"/>
+            </a:fontRef>
+          </p:style>
+          <p:txBody>
+            <a:bodyPr rtlCol="0" anchor="ctr"/>
+            <a:lstStyle/>
+            <a:p>
+              <a:pPr algn="ctr"/>
+              <a:endParaRPr lang="en-US"/>
+            </a:p>
+          </p:txBody>
+        </p:sp>
+        <p:sp>
+          <p:nvSpPr>
+            <p:cNvPr id="10" name="Oval 9">
+              <a:extLst>
+                <a:ext uri="{FF2B5EF4-FFF2-40B4-BE49-F238E27FC236}">
+                  <a16:creationId xmlns:a16="http://schemas.microsoft.com/office/drawing/2014/main" id="{C55B72E4-703C-AE0C-119E-37D633A760D1}"/>
+                </a:ext>
+              </a:extLst>
+            </p:cNvPr>
+            <p:cNvSpPr/>
+            <p:nvPr/>
+          </p:nvSpPr>
+          <p:spPr>
+            <a:xfrm rot="10800000">
+              <a:off x="1889222" y="3054573"/>
+              <a:ext cx="72645" cy="84585"/>
+            </a:xfrm>
+            <a:prstGeom prst="ellipse">
+              <a:avLst/>
+            </a:prstGeom>
+            <a:noFill/>
+          </p:spPr>
+          <p:style>
+            <a:lnRef idx="2">
+              <a:schemeClr val="dk1">
+                <a:shade val="15000"/>
+              </a:schemeClr>
+            </a:lnRef>
+            <a:fillRef idx="1">
+              <a:schemeClr val="dk1"/>
+            </a:fillRef>
+            <a:effectRef idx="0">
+              <a:schemeClr val="dk1"/>
+            </a:effectRef>
+            <a:fontRef idx="minor">
+              <a:schemeClr val="lt1"/>
+            </a:fontRef>
+          </p:style>
+          <p:txBody>
+            <a:bodyPr rtlCol="0" anchor="ctr"/>
+            <a:lstStyle/>
+            <a:p>
+              <a:pPr algn="ctr"/>
+              <a:endParaRPr lang="en-US"/>
+            </a:p>
+          </p:txBody>
+        </p:sp>
+        <p:sp>
+          <p:nvSpPr>
+            <p:cNvPr id="11" name="Oval 10">
+              <a:extLst>
+                <a:ext uri="{FF2B5EF4-FFF2-40B4-BE49-F238E27FC236}">
+                  <a16:creationId xmlns:a16="http://schemas.microsoft.com/office/drawing/2014/main" id="{D1E8898D-A248-53C9-3802-43F7B50802D2}"/>
+                </a:ext>
+              </a:extLst>
+            </p:cNvPr>
+            <p:cNvSpPr/>
+            <p:nvPr/>
+          </p:nvSpPr>
+          <p:spPr>
+            <a:xfrm rot="10800000">
+              <a:off x="2710276" y="3765653"/>
+              <a:ext cx="72645" cy="84585"/>
+            </a:xfrm>
+            <a:prstGeom prst="ellipse">
+              <a:avLst/>
+            </a:prstGeom>
+            <a:noFill/>
+          </p:spPr>
+          <p:style>
+            <a:lnRef idx="2">
+              <a:schemeClr val="dk1">
+                <a:shade val="15000"/>
+              </a:schemeClr>
+            </a:lnRef>
+            <a:fillRef idx="1">
+              <a:schemeClr val="dk1"/>
+            </a:fillRef>
+            <a:effectRef idx="0">
+              <a:schemeClr val="dk1"/>
+            </a:effectRef>
+            <a:fontRef idx="minor">
+              <a:schemeClr val="lt1"/>
+            </a:fontRef>
+          </p:style>
+          <p:txBody>
+            <a:bodyPr rtlCol="0" anchor="ctr"/>
+            <a:lstStyle/>
+            <a:p>
+              <a:pPr algn="ctr"/>
+              <a:endParaRPr lang="en-US"/>
+            </a:p>
+          </p:txBody>
+        </p:sp>
+        <p:sp>
+          <p:nvSpPr>
+            <p:cNvPr id="17" name="Oval 16">
+              <a:extLst>
+                <a:ext uri="{FF2B5EF4-FFF2-40B4-BE49-F238E27FC236}">
+                  <a16:creationId xmlns:a16="http://schemas.microsoft.com/office/drawing/2014/main" id="{936FFEDB-F050-EC52-58DE-09A816EFD932}"/>
+                </a:ext>
+              </a:extLst>
+            </p:cNvPr>
+            <p:cNvSpPr/>
+            <p:nvPr/>
+          </p:nvSpPr>
+          <p:spPr>
+            <a:xfrm rot="10800000">
+              <a:off x="2295579" y="3451897"/>
+              <a:ext cx="72645" cy="84585"/>
+            </a:xfrm>
+            <a:prstGeom prst="ellipse">
+              <a:avLst/>
+            </a:prstGeom>
+            <a:noFill/>
+          </p:spPr>
+          <p:style>
+            <a:lnRef idx="2">
+              <a:schemeClr val="dk1">
+                <a:shade val="15000"/>
+              </a:schemeClr>
+            </a:lnRef>
+            <a:fillRef idx="1">
+              <a:schemeClr val="dk1"/>
+            </a:fillRef>
+            <a:effectRef idx="0">
+              <a:schemeClr val="dk1"/>
+            </a:effectRef>
+            <a:fontRef idx="minor">
+              <a:schemeClr val="lt1"/>
+            </a:fontRef>
+          </p:style>
+          <p:txBody>
+            <a:bodyPr rtlCol="0" anchor="ctr"/>
+            <a:lstStyle/>
+            <a:p>
+              <a:pPr algn="ctr"/>
+              <a:endParaRPr lang="en-US"/>
+            </a:p>
+          </p:txBody>
+        </p:sp>
+        <p:sp>
+          <p:nvSpPr>
+            <p:cNvPr id="18" name="Oval 17">
+              <a:extLst>
+                <a:ext uri="{FF2B5EF4-FFF2-40B4-BE49-F238E27FC236}">
+                  <a16:creationId xmlns:a16="http://schemas.microsoft.com/office/drawing/2014/main" id="{D5A6DD20-04E0-CBE8-DD78-588C3AFD577A}"/>
+                </a:ext>
+              </a:extLst>
+            </p:cNvPr>
+            <p:cNvSpPr/>
+            <p:nvPr/>
+          </p:nvSpPr>
+          <p:spPr>
+            <a:xfrm rot="10800000">
+              <a:off x="1577258" y="1776265"/>
+              <a:ext cx="72645" cy="84585"/>
+            </a:xfrm>
+            <a:prstGeom prst="ellipse">
+              <a:avLst/>
+            </a:prstGeom>
+            <a:noFill/>
+          </p:spPr>
+          <p:style>
+            <a:lnRef idx="2">
+              <a:schemeClr val="dk1">
+                <a:shade val="15000"/>
+              </a:schemeClr>
+            </a:lnRef>
+            <a:fillRef idx="1">
+              <a:schemeClr val="dk1"/>
+            </a:fillRef>
+            <a:effectRef idx="0">
+              <a:schemeClr val="dk1"/>
+            </a:effectRef>
+            <a:fontRef idx="minor">
+              <a:schemeClr val="lt1"/>
+            </a:fontRef>
+          </p:style>
+          <p:txBody>
+            <a:bodyPr rtlCol="0" anchor="ctr"/>
+            <a:lstStyle/>
+            <a:p>
+              <a:pPr algn="ctr"/>
+              <a:endParaRPr lang="en-US"/>
+            </a:p>
+          </p:txBody>
+        </p:sp>
+        <p:sp>
+          <p:nvSpPr>
+            <p:cNvPr id="21" name="Oval 20">
+              <a:extLst>
+                <a:ext uri="{FF2B5EF4-FFF2-40B4-BE49-F238E27FC236}">
+                  <a16:creationId xmlns:a16="http://schemas.microsoft.com/office/drawing/2014/main" id="{0B1AE43F-D97E-265D-0E63-02ADBF31A946}"/>
+                </a:ext>
+              </a:extLst>
+            </p:cNvPr>
+            <p:cNvSpPr/>
+            <p:nvPr/>
+          </p:nvSpPr>
+          <p:spPr>
+            <a:xfrm rot="10800000">
+              <a:off x="2136530" y="1652953"/>
+              <a:ext cx="72645" cy="84585"/>
+            </a:xfrm>
+            <a:prstGeom prst="ellipse">
+              <a:avLst/>
+            </a:prstGeom>
+            <a:noFill/>
+          </p:spPr>
+          <p:style>
+            <a:lnRef idx="2">
+              <a:schemeClr val="dk1">
+                <a:shade val="15000"/>
+              </a:schemeClr>
+            </a:lnRef>
+            <a:fillRef idx="1">
+              <a:schemeClr val="dk1"/>
+            </a:fillRef>
+            <a:effectRef idx="0">
+              <a:schemeClr val="dk1"/>
+            </a:effectRef>
+            <a:fontRef idx="minor">
+              <a:schemeClr val="lt1"/>
+            </a:fontRef>
+          </p:style>
+          <p:txBody>
+            <a:bodyPr rtlCol="0" anchor="ctr"/>
+            <a:lstStyle/>
+            <a:p>
+              <a:pPr algn="ctr"/>
+              <a:endParaRPr lang="en-US"/>
+            </a:p>
+          </p:txBody>
+        </p:sp>
+        <p:sp>
+          <p:nvSpPr>
+            <p:cNvPr id="25" name="Oval 24">
+              <a:extLst>
+                <a:ext uri="{FF2B5EF4-FFF2-40B4-BE49-F238E27FC236}">
+                  <a16:creationId xmlns:a16="http://schemas.microsoft.com/office/drawing/2014/main" id="{82840EB1-0E49-C395-DD28-6D04192BE2DE}"/>
+                </a:ext>
+              </a:extLst>
+            </p:cNvPr>
+            <p:cNvSpPr/>
+            <p:nvPr/>
+          </p:nvSpPr>
+          <p:spPr>
+            <a:xfrm rot="10800000">
+              <a:off x="1673241" y="3610404"/>
+              <a:ext cx="72645" cy="84585"/>
+            </a:xfrm>
+            <a:prstGeom prst="ellipse">
+              <a:avLst/>
+            </a:prstGeom>
+            <a:noFill/>
+          </p:spPr>
+          <p:style>
+            <a:lnRef idx="2">
+              <a:schemeClr val="dk1">
+                <a:shade val="15000"/>
+              </a:schemeClr>
+            </a:lnRef>
+            <a:fillRef idx="1">
+              <a:schemeClr val="dk1"/>
+            </a:fillRef>
+            <a:effectRef idx="0">
+              <a:schemeClr val="dk1"/>
+            </a:effectRef>
+            <a:fontRef idx="minor">
+              <a:schemeClr val="lt1"/>
+            </a:fontRef>
+          </p:style>
+          <p:txBody>
+            <a:bodyPr rtlCol="0" anchor="ctr"/>
+            <a:lstStyle/>
+            <a:p>
+              <a:pPr algn="ctr"/>
+              <a:endParaRPr lang="en-US"/>
+            </a:p>
+          </p:txBody>
+        </p:sp>
+        <p:sp>
+          <p:nvSpPr>
+            <p:cNvPr id="26" name="Oval 25">
+              <a:extLst>
+                <a:ext uri="{FF2B5EF4-FFF2-40B4-BE49-F238E27FC236}">
+                  <a16:creationId xmlns:a16="http://schemas.microsoft.com/office/drawing/2014/main" id="{88FCBF4F-FF39-F639-FEBF-D381103102BF}"/>
+                </a:ext>
+              </a:extLst>
+            </p:cNvPr>
+            <p:cNvSpPr/>
+            <p:nvPr/>
+          </p:nvSpPr>
+          <p:spPr>
+            <a:xfrm rot="10800000">
+              <a:off x="1401576" y="2985138"/>
+              <a:ext cx="72645" cy="84585"/>
+            </a:xfrm>
+            <a:prstGeom prst="ellipse">
+              <a:avLst/>
+            </a:prstGeom>
+            <a:noFill/>
+          </p:spPr>
+          <p:style>
+            <a:lnRef idx="2">
+              <a:schemeClr val="dk1">
+                <a:shade val="15000"/>
+              </a:schemeClr>
+            </a:lnRef>
+            <a:fillRef idx="1">
+              <a:schemeClr val="dk1"/>
+            </a:fillRef>
+            <a:effectRef idx="0">
+              <a:schemeClr val="dk1"/>
+            </a:effectRef>
+            <a:fontRef idx="minor">
+              <a:schemeClr val="lt1"/>
+            </a:fontRef>
+          </p:style>
+          <p:txBody>
+            <a:bodyPr rtlCol="0" anchor="ctr"/>
+            <a:lstStyle/>
+            <a:p>
+              <a:pPr algn="ctr"/>
+              <a:endParaRPr lang="en-US"/>
+            </a:p>
+          </p:txBody>
+        </p:sp>
+        <p:sp>
+          <p:nvSpPr>
+            <p:cNvPr id="28" name="Oval 27">
+              <a:extLst>
+                <a:ext uri="{FF2B5EF4-FFF2-40B4-BE49-F238E27FC236}">
+                  <a16:creationId xmlns:a16="http://schemas.microsoft.com/office/drawing/2014/main" id="{DA539B03-025A-11FB-D700-BD942AFDA496}"/>
+                </a:ext>
+              </a:extLst>
+            </p:cNvPr>
+            <p:cNvSpPr/>
+            <p:nvPr/>
+          </p:nvSpPr>
+          <p:spPr>
+            <a:xfrm rot="10800000">
+              <a:off x="1453344" y="2150499"/>
+              <a:ext cx="72645" cy="84585"/>
+            </a:xfrm>
+            <a:prstGeom prst="ellipse">
+              <a:avLst/>
+            </a:prstGeom>
+            <a:noFill/>
+          </p:spPr>
+          <p:style>
+            <a:lnRef idx="2">
+              <a:schemeClr val="dk1">
+                <a:shade val="15000"/>
+              </a:schemeClr>
+            </a:lnRef>
+            <a:fillRef idx="1">
+              <a:schemeClr val="dk1"/>
+            </a:fillRef>
+            <a:effectRef idx="0">
+              <a:schemeClr val="dk1"/>
+            </a:effectRef>
+            <a:fontRef idx="minor">
+              <a:schemeClr val="lt1"/>
+            </a:fontRef>
+          </p:style>
+          <p:txBody>
+            <a:bodyPr rtlCol="0" anchor="ctr"/>
+            <a:lstStyle/>
+            <a:p>
+              <a:pPr algn="ctr"/>
+              <a:endParaRPr lang="en-US"/>
+            </a:p>
+          </p:txBody>
+        </p:sp>
+        <p:sp>
+          <p:nvSpPr>
+            <p:cNvPr id="57" name="Oval 56">
+              <a:extLst>
+                <a:ext uri="{FF2B5EF4-FFF2-40B4-BE49-F238E27FC236}">
+                  <a16:creationId xmlns:a16="http://schemas.microsoft.com/office/drawing/2014/main" id="{82840EB1-0E49-C395-DD28-6D04192BE2DE}"/>
+                </a:ext>
+              </a:extLst>
+            </p:cNvPr>
+            <p:cNvSpPr/>
+            <p:nvPr/>
+          </p:nvSpPr>
+          <p:spPr>
+            <a:xfrm rot="10800000">
+              <a:off x="2668038" y="4446817"/>
+              <a:ext cx="72645" cy="84585"/>
+            </a:xfrm>
+            <a:prstGeom prst="ellipse">
+              <a:avLst/>
+            </a:prstGeom>
+            <a:noFill/>
+          </p:spPr>
+          <p:style>
+            <a:lnRef idx="2">
+              <a:schemeClr val="dk1">
+                <a:shade val="15000"/>
+              </a:schemeClr>
+            </a:lnRef>
+            <a:fillRef idx="1">
+              <a:schemeClr val="dk1"/>
+            </a:fillRef>
+            <a:effectRef idx="0">
+              <a:schemeClr val="dk1"/>
+            </a:effectRef>
+            <a:fontRef idx="minor">
+              <a:schemeClr val="lt1"/>
+            </a:fontRef>
+          </p:style>
+          <p:txBody>
+            <a:bodyPr rtlCol="0" anchor="ctr"/>
+            <a:lstStyle/>
+            <a:p>
+              <a:pPr algn="ctr"/>
+              <a:endParaRPr lang="en-US"/>
+            </a:p>
+          </p:txBody>
+        </p:sp>
+      </p:grpSp>
+    </p:spTree>
+    <p:extLst>
+      <p:ext uri="{BB962C8B-B14F-4D97-AF65-F5344CB8AC3E}">
+        <p14:creationId xmlns:p14="http://schemas.microsoft.com/office/powerpoint/2010/main" val="4143749074"/>
       </p:ext>
     </p:extLst>
   </p:cSld>
